--- a/Ubuntu-2204-Flask-Project/MacOS_Ubuntu_istallation.pptx
+++ b/Ubuntu-2204-Flask-Project/MacOS_Ubuntu_istallation.pptx
@@ -5,7 +5,7 @@
     <p:sldMasterId id="2147483672" r:id="rId1"/>
   </p:sldMasterIdLst>
   <p:notesMasterIdLst>
-    <p:notesMasterId r:id="rId10"/>
+    <p:notesMasterId r:id="rId12"/>
   </p:notesMasterIdLst>
   <p:sldIdLst>
     <p:sldId id="256" r:id="rId2"/>
@@ -15,7 +15,9 @@
     <p:sldId id="262" r:id="rId6"/>
     <p:sldId id="263" r:id="rId7"/>
     <p:sldId id="264" r:id="rId8"/>
-    <p:sldId id="259" r:id="rId9"/>
+    <p:sldId id="266" r:id="rId9"/>
+    <p:sldId id="265" r:id="rId10"/>
+    <p:sldId id="259" r:id="rId11"/>
   </p:sldIdLst>
   <p:sldSz cx="6858000" cy="9906000" type="A4"/>
   <p:notesSz cx="6858000" cy="9144000"/>
@@ -793,6 +795,90 @@
     <p:extLst>
       <p:ext uri="{BB962C8B-B14F-4D97-AF65-F5344CB8AC3E}">
         <p14:creationId xmlns:p14="http://schemas.microsoft.com/office/powerpoint/2010/main" val="3006471774"/>
+      </p:ext>
+    </p:extLst>
+  </p:cSld>
+  <p:clrMapOvr>
+    <a:masterClrMapping/>
+  </p:clrMapOvr>
+</p:notes>
+</file>
+
+<file path=ppt/notesSlides/notesSlide5.xml><?xml version="1.0" encoding="utf-8"?>
+<p:notes xmlns:a="http://schemas.openxmlformats.org/drawingml/2006/main" xmlns:r="http://schemas.openxmlformats.org/officeDocument/2006/relationships" xmlns:p="http://schemas.openxmlformats.org/presentationml/2006/main">
+  <p:cSld>
+    <p:spTree>
+      <p:nvGrpSpPr>
+        <p:cNvPr id="1" name=""/>
+        <p:cNvGrpSpPr/>
+        <p:nvPr/>
+      </p:nvGrpSpPr>
+      <p:grpSpPr>
+        <a:xfrm>
+          <a:off x="0" y="0"/>
+          <a:ext cx="0" cy="0"/>
+          <a:chOff x="0" y="0"/>
+          <a:chExt cx="0" cy="0"/>
+        </a:xfrm>
+      </p:grpSpPr>
+      <p:sp>
+        <p:nvSpPr>
+          <p:cNvPr id="2" name="Slide Image Placeholder 1"/>
+          <p:cNvSpPr>
+            <a:spLocks noGrp="1" noRot="1" noChangeAspect="1"/>
+          </p:cNvSpPr>
+          <p:nvPr>
+            <p:ph type="sldImg"/>
+          </p:nvPr>
+        </p:nvSpPr>
+        <p:spPr/>
+      </p:sp>
+      <p:sp>
+        <p:nvSpPr>
+          <p:cNvPr id="3" name="Notes Placeholder 2"/>
+          <p:cNvSpPr>
+            <a:spLocks noGrp="1"/>
+          </p:cNvSpPr>
+          <p:nvPr>
+            <p:ph type="body" idx="1"/>
+          </p:nvPr>
+        </p:nvSpPr>
+        <p:spPr/>
+        <p:txBody>
+          <a:bodyPr/>
+          <a:lstStyle/>
+          <a:p>
+            <a:endParaRPr lang="en-US" dirty="0"/>
+          </a:p>
+        </p:txBody>
+      </p:sp>
+      <p:sp>
+        <p:nvSpPr>
+          <p:cNvPr id="4" name="Slide Number Placeholder 3"/>
+          <p:cNvSpPr>
+            <a:spLocks noGrp="1"/>
+          </p:cNvSpPr>
+          <p:nvPr>
+            <p:ph type="sldNum" sz="quarter" idx="5"/>
+          </p:nvPr>
+        </p:nvSpPr>
+        <p:spPr/>
+        <p:txBody>
+          <a:bodyPr/>
+          <a:lstStyle/>
+          <a:p>
+            <a:fld id="{30C4ACBF-D2D8-AD4D-8E16-8C3F6D1D2AD5}" type="slidenum">
+              <a:rPr lang="en-US" smtClean="0"/>
+              <a:t>9</a:t>
+            </a:fld>
+            <a:endParaRPr lang="en-US"/>
+          </a:p>
+        </p:txBody>
+      </p:sp>
+    </p:spTree>
+    <p:extLst>
+      <p:ext uri="{BB962C8B-B14F-4D97-AF65-F5344CB8AC3E}">
+        <p14:creationId xmlns:p14="http://schemas.microsoft.com/office/powerpoint/2010/main" val="1950908481"/>
       </p:ext>
     </p:extLst>
   </p:cSld>
@@ -3736,6 +3822,247 @@
 </p:sld>
 </file>
 
+<file path=ppt/slides/slide10.xml><?xml version="1.0" encoding="utf-8"?>
+<p:sld xmlns:a="http://schemas.openxmlformats.org/drawingml/2006/main" xmlns:r="http://schemas.openxmlformats.org/officeDocument/2006/relationships" xmlns:p="http://schemas.openxmlformats.org/presentationml/2006/main">
+  <p:cSld>
+    <p:spTree>
+      <p:nvGrpSpPr>
+        <p:cNvPr id="1" name=""/>
+        <p:cNvGrpSpPr/>
+        <p:nvPr/>
+      </p:nvGrpSpPr>
+      <p:grpSpPr>
+        <a:xfrm>
+          <a:off x="0" y="0"/>
+          <a:ext cx="0" cy="0"/>
+          <a:chOff x="0" y="0"/>
+          <a:chExt cx="0" cy="0"/>
+        </a:xfrm>
+      </p:grpSpPr>
+      <p:pic>
+        <p:nvPicPr>
+          <p:cNvPr id="5" name="Picture 4">
+            <a:extLst>
+              <a:ext uri="{FF2B5EF4-FFF2-40B4-BE49-F238E27FC236}">
+                <a16:creationId xmlns:a16="http://schemas.microsoft.com/office/drawing/2014/main" id="{EEA2CD28-F117-14C7-C2F1-36BD3FACD751}"/>
+              </a:ext>
+            </a:extLst>
+          </p:cNvPr>
+          <p:cNvPicPr>
+            <a:picLocks noChangeAspect="1"/>
+          </p:cNvPicPr>
+          <p:nvPr/>
+        </p:nvPicPr>
+        <p:blipFill>
+          <a:blip r:embed="rId2"/>
+          <a:stretch>
+            <a:fillRect/>
+          </a:stretch>
+        </p:blipFill>
+        <p:spPr>
+          <a:xfrm>
+            <a:off x="424422" y="952684"/>
+            <a:ext cx="3004578" cy="3718083"/>
+          </a:xfrm>
+          <a:prstGeom prst="rect">
+            <a:avLst/>
+          </a:prstGeom>
+        </p:spPr>
+      </p:pic>
+      <p:sp>
+        <p:nvSpPr>
+          <p:cNvPr id="6" name="Title 1">
+            <a:extLst>
+              <a:ext uri="{FF2B5EF4-FFF2-40B4-BE49-F238E27FC236}">
+                <a16:creationId xmlns:a16="http://schemas.microsoft.com/office/drawing/2014/main" id="{446565CB-CBE2-E579-F403-9CB540CFDDCB}"/>
+              </a:ext>
+            </a:extLst>
+          </p:cNvPr>
+          <p:cNvSpPr txBox="1">
+            <a:spLocks/>
+          </p:cNvSpPr>
+          <p:nvPr/>
+        </p:nvSpPr>
+        <p:spPr>
+          <a:xfrm>
+            <a:off x="424422" y="141408"/>
+            <a:ext cx="5915025" cy="811277"/>
+          </a:xfrm>
+          <a:prstGeom prst="rect">
+            <a:avLst/>
+          </a:prstGeom>
+        </p:spPr>
+        <p:txBody>
+          <a:bodyPr vert="horz" lIns="91440" tIns="45720" rIns="91440" bIns="45720" rtlCol="0" anchor="ctr">
+            <a:normAutofit/>
+          </a:bodyPr>
+          <a:lstStyle>
+            <a:lvl1pPr algn="l" defTabSz="685800" rtl="0" eaLnBrk="1" latinLnBrk="0" hangingPunct="1">
+              <a:lnSpc>
+                <a:spcPct val="90000"/>
+              </a:lnSpc>
+              <a:spcBef>
+                <a:spcPct val="0"/>
+              </a:spcBef>
+              <a:buNone/>
+              <a:defRPr sz="3300" kern="1200">
+                <a:solidFill>
+                  <a:schemeClr val="tx1"/>
+                </a:solidFill>
+                <a:latin typeface="+mj-lt"/>
+                <a:ea typeface="+mj-ea"/>
+                <a:cs typeface="+mj-cs"/>
+              </a:defRPr>
+            </a:lvl1pPr>
+          </a:lstStyle>
+          <a:p>
+            <a:r>
+              <a:rPr lang="en-US" sz="1575" dirty="0">
+                <a:hlinkClick r:id="rId3">
+                  <a:extLst>
+                    <a:ext uri="{A12FA001-AC4F-418D-AE19-62706E023703}">
+                      <ahyp:hlinkClr xmlns:ahyp="http://schemas.microsoft.com/office/drawing/2018/hyperlinkcolor" val="tx"/>
+                    </a:ext>
+                  </a:extLst>
+                </a:hlinkClick>
+              </a:rPr>
+              <a:t>Dbeavor Community 24.1.0管理數據庫</a:t>
+            </a:r>
+          </a:p>
+        </p:txBody>
+      </p:sp>
+      <p:graphicFrame>
+        <p:nvGraphicFramePr>
+          <p:cNvPr id="7" name="Table 6">
+            <a:extLst>
+              <a:ext uri="{FF2B5EF4-FFF2-40B4-BE49-F238E27FC236}">
+                <a16:creationId xmlns:a16="http://schemas.microsoft.com/office/drawing/2014/main" id="{214F3CC1-BA21-7FEA-0979-2C4F8E2F9681}"/>
+              </a:ext>
+            </a:extLst>
+          </p:cNvPr>
+          <p:cNvGraphicFramePr>
+            <a:graphicFrameLocks noGrp="1"/>
+          </p:cNvGraphicFramePr>
+          <p:nvPr>
+            <p:extLst>
+              <p:ext uri="{D42A27DB-BD31-4B8C-83A1-F6EECF244321}">
+                <p14:modId xmlns:p14="http://schemas.microsoft.com/office/powerpoint/2010/main" val="1926632901"/>
+              </p:ext>
+            </p:extLst>
+          </p:nvPr>
+        </p:nvGraphicFramePr>
+        <p:xfrm>
+          <a:off x="1785383" y="4952267"/>
+          <a:ext cx="2509573" cy="419394"/>
+        </p:xfrm>
+        <a:graphic>
+          <a:graphicData uri="http://schemas.openxmlformats.org/drawingml/2006/table">
+            <a:tbl>
+              <a:tblPr firstRow="1" bandRow="1">
+                <a:tableStyleId>{5940675A-B579-460E-94D1-54222C63F5DA}</a:tableStyleId>
+              </a:tblPr>
+              <a:tblGrid>
+                <a:gridCol w="1162003">
+                  <a:extLst>
+                    <a:ext uri="{9D8B030D-6E8A-4147-A177-3AD203B41FA5}">
+                      <a16:colId xmlns:a16="http://schemas.microsoft.com/office/drawing/2014/main" val="1564179365"/>
+                    </a:ext>
+                  </a:extLst>
+                </a:gridCol>
+                <a:gridCol w="1347570">
+                  <a:extLst>
+                    <a:ext uri="{9D8B030D-6E8A-4147-A177-3AD203B41FA5}">
+                      <a16:colId xmlns:a16="http://schemas.microsoft.com/office/drawing/2014/main" val="892675501"/>
+                    </a:ext>
+                  </a:extLst>
+                </a:gridCol>
+              </a:tblGrid>
+              <a:tr h="209697">
+                <a:tc>
+                  <a:txBody>
+                    <a:bodyPr/>
+                    <a:lstStyle/>
+                    <a:p>
+                      <a:r>
+                        <a:rPr lang="en-US" sz="1000" b="1" dirty="0"/>
+                        <a:t>Import </a:t>
+                      </a:r>
+                      <a:r>
+                        <a:rPr lang="en-US" sz="1000" b="1" dirty="0" err="1"/>
+                        <a:t>範例資料</a:t>
+                      </a:r>
+                      <a:endParaRPr lang="en-US" sz="1000" b="1" dirty="0"/>
+                    </a:p>
+                  </a:txBody>
+                  <a:tcPr marL="51435" marR="51435" marT="25718" marB="25718"/>
+                </a:tc>
+                <a:tc>
+                  <a:txBody>
+                    <a:bodyPr/>
+                    <a:lstStyle/>
+                    <a:p>
+                      <a:endParaRPr lang="en-US" sz="1000" dirty="0"/>
+                    </a:p>
+                  </a:txBody>
+                  <a:tcPr marL="51435" marR="51435" marT="25718" marB="25718"/>
+                </a:tc>
+                <a:extLst>
+                  <a:ext uri="{0D108BD9-81ED-4DB2-BD59-A6C34878D82A}">
+                    <a16:rowId xmlns:a16="http://schemas.microsoft.com/office/drawing/2014/main" val="3084254729"/>
+                  </a:ext>
+                </a:extLst>
+              </a:tr>
+              <a:tr h="209697">
+                <a:tc>
+                  <a:txBody>
+                    <a:bodyPr/>
+                    <a:lstStyle/>
+                    <a:p>
+                      <a:endParaRPr lang="en-US" sz="1000" b="1" dirty="0"/>
+                    </a:p>
+                  </a:txBody>
+                  <a:tcPr marL="51435" marR="51435" marT="25718" marB="25718"/>
+                </a:tc>
+                <a:tc>
+                  <a:txBody>
+                    <a:bodyPr/>
+                    <a:lstStyle/>
+                    <a:p>
+                      <a:endParaRPr lang="en-US" sz="1000" b="0" kern="1200" dirty="0">
+                        <a:solidFill>
+                          <a:schemeClr val="tx1"/>
+                        </a:solidFill>
+                        <a:latin typeface="+mn-lt"/>
+                        <a:ea typeface="+mn-ea"/>
+                        <a:cs typeface="+mn-cs"/>
+                      </a:endParaRPr>
+                    </a:p>
+                  </a:txBody>
+                  <a:tcPr marL="51435" marR="51435" marT="25718" marB="25718"/>
+                </a:tc>
+                <a:extLst>
+                  <a:ext uri="{0D108BD9-81ED-4DB2-BD59-A6C34878D82A}">
+                    <a16:rowId xmlns:a16="http://schemas.microsoft.com/office/drawing/2014/main" val="3226010457"/>
+                  </a:ext>
+                </a:extLst>
+              </a:tr>
+            </a:tbl>
+          </a:graphicData>
+        </a:graphic>
+      </p:graphicFrame>
+    </p:spTree>
+    <p:extLst>
+      <p:ext uri="{BB962C8B-B14F-4D97-AF65-F5344CB8AC3E}">
+        <p14:creationId xmlns:p14="http://schemas.microsoft.com/office/powerpoint/2010/main" val="1213916980"/>
+      </p:ext>
+    </p:extLst>
+  </p:cSld>
+  <p:clrMapOvr>
+    <a:masterClrMapping/>
+  </p:clrMapOvr>
+</p:sld>
+</file>
+
 <file path=ppt/slides/slide2.xml><?xml version="1.0" encoding="utf-8"?>
 <p:sld xmlns:a="http://schemas.openxmlformats.org/drawingml/2006/main" xmlns:r="http://schemas.openxmlformats.org/officeDocument/2006/relationships" xmlns:p="http://schemas.openxmlformats.org/presentationml/2006/main">
   <p:cSld>
@@ -5565,14 +5892,14 @@
           <p:nvPr>
             <p:extLst>
               <p:ext uri="{D42A27DB-BD31-4B8C-83A1-F6EECF244321}">
-                <p14:modId xmlns:p14="http://schemas.microsoft.com/office/powerpoint/2010/main" val="1315210821"/>
+                <p14:modId xmlns:p14="http://schemas.microsoft.com/office/powerpoint/2010/main" val="2402210015"/>
               </p:ext>
             </p:extLst>
           </p:nvPr>
         </p:nvGraphicFramePr>
         <p:xfrm>
           <a:off x="471488" y="1379412"/>
-          <a:ext cx="6113341" cy="2719467"/>
+          <a:ext cx="6113341" cy="3075703"/>
         </p:xfrm>
         <a:graphic>
           <a:graphicData uri="http://schemas.openxmlformats.org/drawingml/2006/table">
@@ -6009,6 +6336,22 @@
                         <a:tabLst/>
                         <a:defRPr/>
                       </a:pPr>
+                      <a:r>
+                        <a:rPr lang="en-US" sz="1000" b="1" dirty="0" err="1"/>
+                        <a:t>安裝</a:t>
+                      </a:r>
+                      <a:r>
+                        <a:rPr lang="en-US" sz="1000" kern="1200" dirty="0" err="1">
+                          <a:solidFill>
+                            <a:schemeClr val="tx1"/>
+                          </a:solidFill>
+                          <a:effectLst/>
+                          <a:latin typeface="+mn-lt"/>
+                          <a:ea typeface="+mn-ea"/>
+                          <a:cs typeface="+mn-cs"/>
+                        </a:rPr>
+                        <a:t>SQLAlchemy</a:t>
+                      </a:r>
                       <a:endParaRPr lang="en-US" sz="1000" b="1" dirty="0"/>
                     </a:p>
                   </a:txBody>
@@ -6036,16 +6379,72 @@
                         <a:tabLst/>
                         <a:defRPr/>
                       </a:pPr>
-                      <a:endParaRPr lang="en-US" sz="1000" dirty="0"/>
-                    </a:p>
-                  </a:txBody>
-                  <a:tcPr marL="51435" marR="51435" marT="25718" marB="25718"/>
-                </a:tc>
-                <a:tc>
-                  <a:txBody>
-                    <a:bodyPr/>
-                    <a:lstStyle/>
-                    <a:p>
+                      <a:r>
+                        <a:rPr lang="en-US" sz="1000" kern="1200" dirty="0">
+                          <a:solidFill>
+                            <a:schemeClr val="tx1"/>
+                          </a:solidFill>
+                          <a:latin typeface="+mn-lt"/>
+                          <a:ea typeface="+mn-ea"/>
+                          <a:cs typeface="+mn-cs"/>
+                        </a:rPr>
+                        <a:t>pip3 install </a:t>
+                      </a:r>
+                      <a:r>
+                        <a:rPr lang="en-US" sz="1000" kern="1200" dirty="0" err="1">
+                          <a:solidFill>
+                            <a:schemeClr val="tx1"/>
+                          </a:solidFill>
+                          <a:latin typeface="+mn-lt"/>
+                          <a:ea typeface="+mn-ea"/>
+                          <a:cs typeface="+mn-cs"/>
+                        </a:rPr>
+                        <a:t>SQLAlchemy</a:t>
+                      </a:r>
+                      <a:r>
+                        <a:rPr lang="en-US" sz="1000" kern="1200" dirty="0">
+                          <a:solidFill>
+                            <a:schemeClr val="tx1"/>
+                          </a:solidFill>
+                          <a:latin typeface="+mn-lt"/>
+                          <a:ea typeface="+mn-ea"/>
+                          <a:cs typeface="+mn-cs"/>
+                        </a:rPr>
+                        <a:t>==2.0.31</a:t>
+                      </a:r>
+                    </a:p>
+                  </a:txBody>
+                  <a:tcPr marL="51435" marR="51435" marT="25718" marB="25718"/>
+                </a:tc>
+                <a:tc>
+                  <a:txBody>
+                    <a:bodyPr/>
+                    <a:lstStyle/>
+                    <a:p>
+                      <a:r>
+                        <a:rPr lang="en-US" sz="1000" kern="1200" dirty="0" err="1">
+                          <a:solidFill>
+                            <a:schemeClr val="tx1"/>
+                          </a:solidFill>
+                          <a:effectLst/>
+                          <a:latin typeface="+mn-lt"/>
+                          <a:ea typeface="+mn-ea"/>
+                          <a:cs typeface="+mn-cs"/>
+                        </a:rPr>
+                        <a:t>SQLAlchemy</a:t>
+                      </a:r>
+                      <a:r>
+                        <a:rPr lang="en-US" sz="1000" kern="1200" dirty="0">
+                          <a:solidFill>
+                            <a:schemeClr val="tx1"/>
+                          </a:solidFill>
+                          <a:effectLst/>
+                          <a:latin typeface="+mn-lt"/>
+                          <a:ea typeface="+mn-ea"/>
+                          <a:cs typeface="+mn-cs"/>
+                        </a:rPr>
+                        <a:t>==2.0.31</a:t>
+                      </a:r>
                       <a:endParaRPr lang="en-US" sz="1000" dirty="0"/>
                     </a:p>
                   </a:txBody>
@@ -6054,6 +6453,171 @@
                 <a:extLst>
                   <a:ext uri="{0D108BD9-81ED-4DB2-BD59-A6C34878D82A}">
                     <a16:rowId xmlns:a16="http://schemas.microsoft.com/office/drawing/2014/main" val="153088362"/>
+                  </a:ext>
+                </a:extLst>
+              </a:tr>
+              <a:tr h="209697">
+                <a:tc>
+                  <a:txBody>
+                    <a:bodyPr/>
+                    <a:lstStyle/>
+                    <a:p>
+                      <a:pPr marL="0" marR="0" lvl="0" indent="0" algn="l" defTabSz="685800" rtl="0" eaLnBrk="1" fontAlgn="auto" latinLnBrk="0" hangingPunct="1">
+                        <a:lnSpc>
+                          <a:spcPct val="100000"/>
+                        </a:lnSpc>
+                        <a:spcBef>
+                          <a:spcPts val="0"/>
+                        </a:spcBef>
+                        <a:spcAft>
+                          <a:spcPts val="0"/>
+                        </a:spcAft>
+                        <a:buClrTx/>
+                        <a:buSzTx/>
+                        <a:buFontTx/>
+                        <a:buNone/>
+                        <a:tabLst/>
+                        <a:defRPr/>
+                      </a:pPr>
+                      <a:r>
+                        <a:rPr lang="en-US" sz="1000" b="1" dirty="0" err="1"/>
+                        <a:t>安裝</a:t>
+                      </a:r>
+                      <a:r>
+                        <a:rPr lang="en-US" sz="1000" dirty="0" err="1">
+                          <a:solidFill>
+                            <a:srgbClr val="000000"/>
+                          </a:solidFill>
+                          <a:effectLst/>
+                          <a:latin typeface="Menlo" panose="020B0609030804020204" pitchFamily="49" charset="0"/>
+                        </a:rPr>
+                        <a:t>mysql</a:t>
+                      </a:r>
+                      <a:r>
+                        <a:rPr lang="en-US" sz="1000" dirty="0">
+                          <a:solidFill>
+                            <a:srgbClr val="000000"/>
+                          </a:solidFill>
+                          <a:effectLst/>
+                          <a:latin typeface="Menlo" panose="020B0609030804020204" pitchFamily="49" charset="0"/>
+                        </a:rPr>
+                        <a:t>-connector-python</a:t>
+                      </a:r>
+                      <a:endParaRPr lang="en-US" sz="1000" b="1" dirty="0"/>
+                    </a:p>
+                  </a:txBody>
+                  <a:tcPr marL="51435" marR="51435" marT="25718" marB="25718"/>
+                </a:tc>
+                <a:tc>
+                  <a:txBody>
+                    <a:bodyPr/>
+                    <a:lstStyle/>
+                    <a:p>
+                      <a:pPr marL="0" marR="0" lvl="0" indent="0" algn="l" defTabSz="685800" rtl="0" eaLnBrk="1" fontAlgn="auto" latinLnBrk="0" hangingPunct="1">
+                        <a:lnSpc>
+                          <a:spcPct val="100000"/>
+                        </a:lnSpc>
+                        <a:spcBef>
+                          <a:spcPts val="0"/>
+                        </a:spcBef>
+                        <a:spcAft>
+                          <a:spcPts val="0"/>
+                        </a:spcAft>
+                        <a:buClrTx/>
+                        <a:buSzTx/>
+                        <a:buFontTx/>
+                        <a:buNone/>
+                        <a:tabLst/>
+                        <a:defRPr/>
+                      </a:pPr>
+                      <a:r>
+                        <a:rPr lang="en-US" sz="1000" kern="1200" dirty="0">
+                          <a:solidFill>
+                            <a:schemeClr val="tx1"/>
+                          </a:solidFill>
+                          <a:latin typeface="+mn-lt"/>
+                          <a:ea typeface="+mn-ea"/>
+                          <a:cs typeface="+mn-cs"/>
+                        </a:rPr>
+                        <a:t>pip3 install </a:t>
+                      </a:r>
+                      <a:r>
+                        <a:rPr lang="en-US" sz="1000" kern="1200" dirty="0" err="1">
+                          <a:solidFill>
+                            <a:schemeClr val="tx1"/>
+                          </a:solidFill>
+                          <a:latin typeface="+mn-lt"/>
+                          <a:ea typeface="+mn-ea"/>
+                          <a:cs typeface="+mn-cs"/>
+                        </a:rPr>
+                        <a:t>mysql</a:t>
+                      </a:r>
+                      <a:r>
+                        <a:rPr lang="en-US" sz="1000" kern="1200" dirty="0">
+                          <a:solidFill>
+                            <a:schemeClr val="tx1"/>
+                          </a:solidFill>
+                          <a:latin typeface="+mn-lt"/>
+                          <a:ea typeface="+mn-ea"/>
+                          <a:cs typeface="+mn-cs"/>
+                        </a:rPr>
+                        <a:t>-connector-python</a:t>
+                      </a:r>
+                    </a:p>
+                  </a:txBody>
+                  <a:tcPr marL="51435" marR="51435" marT="25718" marB="25718"/>
+                </a:tc>
+                <a:tc>
+                  <a:txBody>
+                    <a:bodyPr/>
+                    <a:lstStyle/>
+                    <a:p>
+                      <a:pPr marL="0" marR="0" lvl="0" indent="0" algn="l" defTabSz="685800" rtl="0" eaLnBrk="1" fontAlgn="auto" latinLnBrk="0" hangingPunct="1">
+                        <a:lnSpc>
+                          <a:spcPct val="100000"/>
+                        </a:lnSpc>
+                        <a:spcBef>
+                          <a:spcPts val="0"/>
+                        </a:spcBef>
+                        <a:spcAft>
+                          <a:spcPts val="0"/>
+                        </a:spcAft>
+                        <a:buClrTx/>
+                        <a:buSzTx/>
+                        <a:buFontTx/>
+                        <a:buNone/>
+                        <a:tabLst/>
+                        <a:defRPr/>
+                      </a:pPr>
+                      <a:r>
+                        <a:rPr lang="en-US" sz="1000" kern="1200" dirty="0" err="1">
+                          <a:solidFill>
+                            <a:schemeClr val="tx1"/>
+                          </a:solidFill>
+                          <a:latin typeface="+mn-lt"/>
+                          <a:ea typeface="+mn-ea"/>
+                          <a:cs typeface="+mn-cs"/>
+                        </a:rPr>
+                        <a:t>mysql</a:t>
+                      </a:r>
+                      <a:r>
+                        <a:rPr lang="en-US" sz="1000" kern="1200" dirty="0">
+                          <a:solidFill>
+                            <a:schemeClr val="tx1"/>
+                          </a:solidFill>
+                          <a:latin typeface="+mn-lt"/>
+                          <a:ea typeface="+mn-ea"/>
+                          <a:cs typeface="+mn-cs"/>
+                        </a:rPr>
+                        <a:t>-connector-python==8.4.0</a:t>
+                      </a:r>
+                    </a:p>
+                  </a:txBody>
+                  <a:tcPr marL="51435" marR="51435" marT="25718" marB="25718"/>
+                </a:tc>
+                <a:extLst>
+                  <a:ext uri="{0D108BD9-81ED-4DB2-BD59-A6C34878D82A}">
+                    <a16:rowId xmlns:a16="http://schemas.microsoft.com/office/drawing/2014/main" val="2212201131"/>
                   </a:ext>
                 </a:extLst>
               </a:tr>
@@ -6553,14 +7117,14 @@
           <p:nvPr>
             <p:extLst>
               <p:ext uri="{D42A27DB-BD31-4B8C-83A1-F6EECF244321}">
-                <p14:modId xmlns:p14="http://schemas.microsoft.com/office/powerpoint/2010/main" val="2338792893"/>
+                <p14:modId xmlns:p14="http://schemas.microsoft.com/office/powerpoint/2010/main" val="1630033257"/>
               </p:ext>
             </p:extLst>
           </p:nvPr>
         </p:nvGraphicFramePr>
         <p:xfrm>
-          <a:off x="471488" y="4953000"/>
-          <a:ext cx="6113341" cy="2149871"/>
+          <a:off x="471488" y="5272597"/>
+          <a:ext cx="6113341" cy="2953783"/>
         </p:xfrm>
         <a:graphic>
           <a:graphicData uri="http://schemas.openxmlformats.org/drawingml/2006/table">
@@ -7187,6 +7751,310 @@
                   </a:ext>
                 </a:extLst>
               </a:tr>
+              <a:tr h="209697">
+                <a:tc>
+                  <a:txBody>
+                    <a:bodyPr/>
+                    <a:lstStyle/>
+                    <a:p>
+                      <a:r>
+                        <a:rPr lang="en-US" sz="1000" b="1" i="0" dirty="0" err="1">
+                          <a:solidFill>
+                            <a:srgbClr val="202122"/>
+                          </a:solidFill>
+                          <a:effectLst/>
+                          <a:highlight>
+                            <a:srgbClr val="FFFFFF"/>
+                          </a:highlight>
+                          <a:latin typeface="Arial" panose="020B0604020202020204" pitchFamily="34" charset="0"/>
+                        </a:rPr>
+                        <a:t>SQLAlchemy</a:t>
+                      </a:r>
+                      <a:endParaRPr lang="en-US" sz="1000" b="1" dirty="0"/>
+                    </a:p>
+                  </a:txBody>
+                  <a:tcPr marL="51435" marR="51435" marT="25718" marB="25718">
+                    <a:solidFill>
+                      <a:schemeClr val="accent2">
+                        <a:lumMod val="20000"/>
+                        <a:lumOff val="80000"/>
+                      </a:schemeClr>
+                    </a:solidFill>
+                  </a:tcPr>
+                </a:tc>
+                <a:tc>
+                  <a:txBody>
+                    <a:bodyPr/>
+                    <a:lstStyle/>
+                    <a:p>
+                      <a:r>
+                        <a:rPr lang="zh-TW" altLang="en-US" sz="800" b="0" i="0" u="none" dirty="0">
+                          <a:solidFill>
+                            <a:srgbClr val="202122"/>
+                          </a:solidFill>
+                          <a:effectLst/>
+                          <a:highlight>
+                            <a:srgbClr val="FFFFFF"/>
+                          </a:highlight>
+                          <a:latin typeface="Arial" panose="020B0604020202020204" pitchFamily="34" charset="0"/>
+                        </a:rPr>
+                        <a:t>是為</a:t>
+                      </a:r>
+                      <a:r>
+                        <a:rPr lang="en-US" sz="800" b="0" i="0" u="none" strike="noStrike" dirty="0">
+                          <a:effectLst/>
+                          <a:highlight>
+                            <a:srgbClr val="FFFFFF"/>
+                          </a:highlight>
+                          <a:latin typeface="Arial" panose="020B0604020202020204" pitchFamily="34" charset="0"/>
+                          <a:hlinkClick r:id="rId9" tooltip="Python"/>
+                        </a:rPr>
+                        <a:t>Python</a:t>
+                      </a:r>
+                      <a:r>
+                        <a:rPr lang="zh-TW" altLang="en-US" sz="800" b="0" i="0" u="none" strike="noStrike" dirty="0">
+                          <a:effectLst/>
+                          <a:highlight>
+                            <a:srgbClr val="FFFFFF"/>
+                          </a:highlight>
+                          <a:latin typeface="Arial" panose="020B0604020202020204" pitchFamily="34" charset="0"/>
+                          <a:hlinkClick r:id="rId10" tooltip="程式語言"/>
+                        </a:rPr>
+                        <a:t>程式語言</a:t>
+                      </a:r>
+                      <a:r>
+                        <a:rPr lang="zh-TW" altLang="en-US" sz="800" b="0" i="0" u="none" dirty="0">
+                          <a:solidFill>
+                            <a:srgbClr val="202122"/>
+                          </a:solidFill>
+                          <a:effectLst/>
+                          <a:highlight>
+                            <a:srgbClr val="FFFFFF"/>
+                          </a:highlight>
+                          <a:latin typeface="Arial" panose="020B0604020202020204" pitchFamily="34" charset="0"/>
+                        </a:rPr>
+                        <a:t>提供的</a:t>
+                      </a:r>
+                      <a:r>
+                        <a:rPr lang="zh-TW" altLang="en-US" sz="800" b="0" i="0" u="none" strike="noStrike" dirty="0">
+                          <a:effectLst/>
+                          <a:highlight>
+                            <a:srgbClr val="FFFFFF"/>
+                          </a:highlight>
+                          <a:latin typeface="Arial" panose="020B0604020202020204" pitchFamily="34" charset="0"/>
+                          <a:hlinkClick r:id="rId11" tooltip="開放原始碼"/>
+                        </a:rPr>
+                        <a:t>開源</a:t>
+                      </a:r>
+                      <a:r>
+                        <a:rPr lang="en-US" sz="800" b="0" i="0" u="none" strike="noStrike" dirty="0">
+                          <a:effectLst/>
+                          <a:highlight>
+                            <a:srgbClr val="FFFFFF"/>
+                          </a:highlight>
+                          <a:latin typeface="Arial" panose="020B0604020202020204" pitchFamily="34" charset="0"/>
+                          <a:hlinkClick r:id="rId12" tooltip="SQL"/>
+                        </a:rPr>
+                        <a:t>SQL</a:t>
+                      </a:r>
+                      <a:r>
+                        <a:rPr lang="zh-TW" altLang="en-US" sz="800" b="0" i="0" u="none" dirty="0">
+                          <a:solidFill>
+                            <a:srgbClr val="202122"/>
+                          </a:solidFill>
+                          <a:effectLst/>
+                          <a:highlight>
+                            <a:srgbClr val="FFFFFF"/>
+                          </a:highlight>
+                          <a:latin typeface="Arial" panose="020B0604020202020204" pitchFamily="34" charset="0"/>
+                        </a:rPr>
+                        <a:t>工具包及</a:t>
+                      </a:r>
+                      <a:r>
+                        <a:rPr lang="zh-TW" altLang="en-US" sz="800" b="0" i="0" u="none" strike="noStrike" dirty="0">
+                          <a:effectLst/>
+                          <a:highlight>
+                            <a:srgbClr val="FFFFFF"/>
+                          </a:highlight>
+                          <a:latin typeface="Arial" panose="020B0604020202020204" pitchFamily="34" charset="0"/>
+                          <a:hlinkClick r:id="rId13" tooltip="對象關係對映器"/>
+                        </a:rPr>
+                        <a:t>對象關係對映器</a:t>
+                      </a:r>
+                      <a:r>
+                        <a:rPr lang="zh-TW" altLang="en-US" sz="1000" kern="1200" dirty="0">
+                          <a:solidFill>
+                            <a:schemeClr val="tx1"/>
+                          </a:solidFill>
+                          <a:latin typeface="+mn-lt"/>
+                          <a:ea typeface="+mn-ea"/>
+                          <a:cs typeface="+mn-cs"/>
+                        </a:rPr>
+                        <a:t>（</a:t>
+                      </a:r>
+                      <a:r>
+                        <a:rPr lang="en-US" sz="1000" kern="1200" dirty="0">
+                          <a:solidFill>
+                            <a:schemeClr val="tx1"/>
+                          </a:solidFill>
+                          <a:latin typeface="+mn-lt"/>
+                          <a:ea typeface="+mn-ea"/>
+                          <a:cs typeface="+mn-cs"/>
+                        </a:rPr>
+                        <a:t>ORM）(MIT)</a:t>
+                      </a:r>
+                    </a:p>
+                    <a:p>
+                      <a:r>
+                        <a:rPr lang="en-US" sz="800" dirty="0">
+                          <a:hlinkClick r:id="rId14"/>
+                        </a:rPr>
+                        <a:t>https://pypi.org/project/SQLAlchemy/</a:t>
+                      </a:r>
+                      <a:endParaRPr lang="en-US" sz="800" dirty="0"/>
+                    </a:p>
+                  </a:txBody>
+                  <a:tcPr marL="51435" marR="51435" marT="25718" marB="25718">
+                    <a:solidFill>
+                      <a:schemeClr val="accent2">
+                        <a:lumMod val="20000"/>
+                        <a:lumOff val="80000"/>
+                      </a:schemeClr>
+                    </a:solidFill>
+                  </a:tcPr>
+                </a:tc>
+                <a:tc>
+                  <a:txBody>
+                    <a:bodyPr/>
+                    <a:lstStyle/>
+                    <a:p>
+                      <a:endParaRPr lang="en-US" sz="1000" dirty="0"/>
+                    </a:p>
+                  </a:txBody>
+                  <a:tcPr marL="51435" marR="51435" marT="25718" marB="25718">
+                    <a:solidFill>
+                      <a:schemeClr val="accent2">
+                        <a:lumMod val="20000"/>
+                        <a:lumOff val="80000"/>
+                      </a:schemeClr>
+                    </a:solidFill>
+                  </a:tcPr>
+                </a:tc>
+                <a:extLst>
+                  <a:ext uri="{0D108BD9-81ED-4DB2-BD59-A6C34878D82A}">
+                    <a16:rowId xmlns:a16="http://schemas.microsoft.com/office/drawing/2014/main" val="4091498343"/>
+                  </a:ext>
+                </a:extLst>
+              </a:tr>
+              <a:tr h="209697">
+                <a:tc>
+                  <a:txBody>
+                    <a:bodyPr/>
+                    <a:lstStyle/>
+                    <a:p>
+                      <a:pPr marL="0" marR="0" lvl="0" indent="0" algn="l" defTabSz="685800" rtl="0" eaLnBrk="1" fontAlgn="auto" latinLnBrk="0" hangingPunct="1">
+                        <a:lnSpc>
+                          <a:spcPct val="100000"/>
+                        </a:lnSpc>
+                        <a:spcBef>
+                          <a:spcPts val="0"/>
+                        </a:spcBef>
+                        <a:spcAft>
+                          <a:spcPts val="0"/>
+                        </a:spcAft>
+                        <a:buClrTx/>
+                        <a:buSzTx/>
+                        <a:buFontTx/>
+                        <a:buNone/>
+                        <a:tabLst/>
+                        <a:defRPr/>
+                      </a:pPr>
+                      <a:r>
+                        <a:rPr lang="en-US" sz="1000" dirty="0" err="1">
+                          <a:solidFill>
+                            <a:srgbClr val="000000"/>
+                          </a:solidFill>
+                          <a:effectLst/>
+                          <a:latin typeface="Menlo" panose="020B0609030804020204" pitchFamily="49" charset="0"/>
+                        </a:rPr>
+                        <a:t>mysql</a:t>
+                      </a:r>
+                      <a:r>
+                        <a:rPr lang="en-US" sz="1000" dirty="0">
+                          <a:solidFill>
+                            <a:srgbClr val="000000"/>
+                          </a:solidFill>
+                          <a:effectLst/>
+                          <a:latin typeface="Menlo" panose="020B0609030804020204" pitchFamily="49" charset="0"/>
+                        </a:rPr>
+                        <a:t>-connector-python</a:t>
+                      </a:r>
+                      <a:endParaRPr lang="en-US" sz="1000" b="1" dirty="0"/>
+                    </a:p>
+                  </a:txBody>
+                  <a:tcPr marL="51435" marR="51435" marT="25718" marB="25718">
+                    <a:solidFill>
+                      <a:schemeClr val="accent2">
+                        <a:lumMod val="20000"/>
+                        <a:lumOff val="80000"/>
+                      </a:schemeClr>
+                    </a:solidFill>
+                  </a:tcPr>
+                </a:tc>
+                <a:tc>
+                  <a:txBody>
+                    <a:bodyPr/>
+                    <a:lstStyle/>
+                    <a:p>
+                      <a:r>
+                        <a:rPr lang="en-US" sz="800" dirty="0">
+                          <a:hlinkClick r:id="rId15"/>
+                        </a:rPr>
+                        <a:t>GPL(GNUv2)</a:t>
+                      </a:r>
+                    </a:p>
+                    <a:p>
+                      <a:r>
+                        <a:rPr lang="en-US" sz="800" dirty="0">
+                          <a:hlinkClick r:id="rId15"/>
+                        </a:rPr>
+                        <a:t>https://pypi.org/project/mysql-connector-python/</a:t>
+                      </a:r>
+                      <a:endParaRPr lang="en-US" sz="800" dirty="0"/>
+                    </a:p>
+                  </a:txBody>
+                  <a:tcPr marL="51435" marR="51435" marT="25718" marB="25718">
+                    <a:solidFill>
+                      <a:schemeClr val="accent2">
+                        <a:lumMod val="20000"/>
+                        <a:lumOff val="80000"/>
+                      </a:schemeClr>
+                    </a:solidFill>
+                  </a:tcPr>
+                </a:tc>
+                <a:tc>
+                  <a:txBody>
+                    <a:bodyPr/>
+                    <a:lstStyle/>
+                    <a:p>
+                      <a:endParaRPr lang="en-US" sz="1000" dirty="0"/>
+                    </a:p>
+                  </a:txBody>
+                  <a:tcPr marL="51435" marR="51435" marT="25718" marB="25718">
+                    <a:solidFill>
+                      <a:schemeClr val="accent2">
+                        <a:lumMod val="20000"/>
+                        <a:lumOff val="80000"/>
+                      </a:schemeClr>
+                    </a:solidFill>
+                  </a:tcPr>
+                </a:tc>
+                <a:extLst>
+                  <a:ext uri="{0D108BD9-81ED-4DB2-BD59-A6C34878D82A}">
+                    <a16:rowId xmlns:a16="http://schemas.microsoft.com/office/drawing/2014/main" val="2004213512"/>
+                  </a:ext>
+                </a:extLst>
+              </a:tr>
             </a:tbl>
           </a:graphicData>
         </a:graphic>
@@ -7207,7 +8075,7 @@
         </p:nvSpPr>
         <p:spPr>
           <a:xfrm>
-            <a:off x="393851" y="4098879"/>
+            <a:off x="393851" y="4418476"/>
             <a:ext cx="5915025" cy="811277"/>
           </a:xfrm>
           <a:prstGeom prst="rect">
@@ -7263,7 +8131,7 @@
             </a:br>
             <a:r>
               <a:rPr lang="en-US" sz="800" dirty="0">
-                <a:hlinkClick r:id="rId9"/>
+                <a:hlinkClick r:id="rId16"/>
               </a:rPr>
               <a:t>https://www.youtube.com/watch?v=cqbh-RneBlk</a:t>
             </a:r>
@@ -7286,7 +8154,7 @@
           <p:nvPr/>
         </p:nvPicPr>
         <p:blipFill>
-          <a:blip r:embed="rId10"/>
+          <a:blip r:embed="rId17"/>
           <a:stretch>
             <a:fillRect/>
           </a:stretch>
@@ -7316,7 +8184,7 @@
           <p:nvPr/>
         </p:nvPicPr>
         <p:blipFill>
-          <a:blip r:embed="rId11"/>
+          <a:blip r:embed="rId18"/>
           <a:stretch>
             <a:fillRect/>
           </a:stretch>
@@ -7346,7 +8214,7 @@
           <p:nvPr/>
         </p:nvPicPr>
         <p:blipFill>
-          <a:blip r:embed="rId12"/>
+          <a:blip r:embed="rId19"/>
           <a:stretch>
             <a:fillRect/>
           </a:stretch>
@@ -9897,14 +10765,14 @@
           <p:nvPr>
             <p:extLst>
               <p:ext uri="{D42A27DB-BD31-4B8C-83A1-F6EECF244321}">
-                <p14:modId xmlns:p14="http://schemas.microsoft.com/office/powerpoint/2010/main" val="2234398856"/>
+                <p14:modId xmlns:p14="http://schemas.microsoft.com/office/powerpoint/2010/main" val="2276811388"/>
               </p:ext>
             </p:extLst>
           </p:nvPr>
         </p:nvGraphicFramePr>
         <p:xfrm>
           <a:off x="538722" y="1117561"/>
-          <a:ext cx="6113341" cy="2065757"/>
+          <a:ext cx="6113341" cy="1226969"/>
         </p:xfrm>
         <a:graphic>
           <a:graphicData uri="http://schemas.openxmlformats.org/drawingml/2006/table">
@@ -10265,17 +11133,6 @@
                         <a:t>ip</a:t>
                       </a:r>
                       <a:r>
-                        <a:rPr lang="en-US" sz="1000" kern="1200">
-                          <a:solidFill>
-                            <a:schemeClr val="tx1"/>
-                          </a:solidFill>
-                          <a:latin typeface="+mn-lt"/>
-                          <a:ea typeface="+mn-ea"/>
-                          <a:cs typeface="+mn-cs"/>
-                        </a:rPr>
-                        <a:t> 172.18.0.2 </a:t>
-                      </a:r>
-                      <a:r>
                         <a:rPr lang="en-US" sz="1000" kern="1200" dirty="0">
                           <a:solidFill>
                             <a:schemeClr val="tx1"/>
@@ -10284,7 +11141,7 @@
                           <a:ea typeface="+mn-ea"/>
                           <a:cs typeface="+mn-cs"/>
                         </a:rPr>
-                        <a:t>python:3.10 bash</a:t>
+                        <a:t> 172.18.0.2 python:3.10 bash</a:t>
                       </a:r>
                     </a:p>
                   </a:txBody>
@@ -10303,222 +11160,6 @@
                 <a:extLst>
                   <a:ext uri="{0D108BD9-81ED-4DB2-BD59-A6C34878D82A}">
                     <a16:rowId xmlns:a16="http://schemas.microsoft.com/office/drawing/2014/main" val="1758973121"/>
-                  </a:ext>
-                </a:extLst>
-              </a:tr>
-              <a:tr h="209697">
-                <a:tc>
-                  <a:txBody>
-                    <a:bodyPr/>
-                    <a:lstStyle/>
-                    <a:p>
-                      <a:endParaRPr lang="en-US" sz="1000" b="1" dirty="0"/>
-                    </a:p>
-                  </a:txBody>
-                  <a:tcPr marL="51435" marR="51435" marT="25718" marB="25718">
-                    <a:solidFill>
-                      <a:schemeClr val="bg2">
-                        <a:lumMod val="90000"/>
-                      </a:schemeClr>
-                    </a:solidFill>
-                  </a:tcPr>
-                </a:tc>
-                <a:tc>
-                  <a:txBody>
-                    <a:bodyPr/>
-                    <a:lstStyle/>
-                    <a:p>
-                      <a:endParaRPr lang="en-US" sz="1000" b="0" kern="1200" dirty="0">
-                        <a:solidFill>
-                          <a:schemeClr val="tx1"/>
-                        </a:solidFill>
-                        <a:latin typeface="+mn-lt"/>
-                        <a:ea typeface="+mn-ea"/>
-                        <a:cs typeface="+mn-cs"/>
-                      </a:endParaRPr>
-                    </a:p>
-                  </a:txBody>
-                  <a:tcPr marL="51435" marR="51435" marT="25718" marB="25718">
-                    <a:solidFill>
-                      <a:schemeClr val="bg2">
-                        <a:lumMod val="90000"/>
-                      </a:schemeClr>
-                    </a:solidFill>
-                  </a:tcPr>
-                </a:tc>
-                <a:tc>
-                  <a:txBody>
-                    <a:bodyPr/>
-                    <a:lstStyle/>
-                    <a:p>
-                      <a:endParaRPr lang="en-US" sz="1000" dirty="0"/>
-                    </a:p>
-                  </a:txBody>
-                  <a:tcPr marL="51435" marR="51435" marT="25718" marB="25718">
-                    <a:solidFill>
-                      <a:schemeClr val="bg2">
-                        <a:lumMod val="90000"/>
-                      </a:schemeClr>
-                    </a:solidFill>
-                  </a:tcPr>
-                </a:tc>
-                <a:extLst>
-                  <a:ext uri="{0D108BD9-81ED-4DB2-BD59-A6C34878D82A}">
-                    <a16:rowId xmlns:a16="http://schemas.microsoft.com/office/drawing/2014/main" val="2948200257"/>
-                  </a:ext>
-                </a:extLst>
-              </a:tr>
-              <a:tr h="209697">
-                <a:tc>
-                  <a:txBody>
-                    <a:bodyPr/>
-                    <a:lstStyle/>
-                    <a:p>
-                      <a:endParaRPr lang="en-US" sz="1000" b="1" dirty="0"/>
-                    </a:p>
-                  </a:txBody>
-                  <a:tcPr marL="51435" marR="51435" marT="25718" marB="25718"/>
-                </a:tc>
-                <a:tc>
-                  <a:txBody>
-                    <a:bodyPr/>
-                    <a:lstStyle/>
-                    <a:p>
-                      <a:endParaRPr lang="en-US" sz="1000" b="0" kern="1200" dirty="0">
-                        <a:solidFill>
-                          <a:schemeClr val="tx1"/>
-                        </a:solidFill>
-                        <a:latin typeface="+mn-lt"/>
-                        <a:ea typeface="+mn-ea"/>
-                        <a:cs typeface="+mn-cs"/>
-                      </a:endParaRPr>
-                    </a:p>
-                  </a:txBody>
-                  <a:tcPr marL="51435" marR="51435" marT="25718" marB="25718"/>
-                </a:tc>
-                <a:tc>
-                  <a:txBody>
-                    <a:bodyPr/>
-                    <a:lstStyle/>
-                    <a:p>
-                      <a:endParaRPr lang="en-US" sz="1000" dirty="0"/>
-                    </a:p>
-                  </a:txBody>
-                  <a:tcPr marL="51435" marR="51435" marT="25718" marB="25718"/>
-                </a:tc>
-                <a:extLst>
-                  <a:ext uri="{0D108BD9-81ED-4DB2-BD59-A6C34878D82A}">
-                    <a16:rowId xmlns:a16="http://schemas.microsoft.com/office/drawing/2014/main" val="2637674395"/>
-                  </a:ext>
-                </a:extLst>
-              </a:tr>
-              <a:tr h="209697">
-                <a:tc>
-                  <a:txBody>
-                    <a:bodyPr/>
-                    <a:lstStyle/>
-                    <a:p>
-                      <a:endParaRPr lang="en-US" sz="1000" b="1" dirty="0"/>
-                    </a:p>
-                  </a:txBody>
-                  <a:tcPr marL="51435" marR="51435" marT="25718" marB="25718">
-                    <a:noFill/>
-                  </a:tcPr>
-                </a:tc>
-                <a:tc>
-                  <a:txBody>
-                    <a:bodyPr/>
-                    <a:lstStyle/>
-                    <a:p>
-                      <a:pPr marL="0" marR="0" lvl="0" indent="0" algn="l" defTabSz="685800" rtl="0" eaLnBrk="1" fontAlgn="auto" latinLnBrk="0" hangingPunct="1">
-                        <a:lnSpc>
-                          <a:spcPct val="100000"/>
-                        </a:lnSpc>
-                        <a:spcBef>
-                          <a:spcPts val="0"/>
-                        </a:spcBef>
-                        <a:spcAft>
-                          <a:spcPts val="0"/>
-                        </a:spcAft>
-                        <a:buClrTx/>
-                        <a:buSzTx/>
-                        <a:buFontTx/>
-                        <a:buNone/>
-                        <a:tabLst/>
-                        <a:defRPr/>
-                      </a:pPr>
-                      <a:endParaRPr lang="en-US" sz="1000" b="0" kern="1200" dirty="0">
-                        <a:solidFill>
-                          <a:schemeClr val="tx1"/>
-                        </a:solidFill>
-                        <a:latin typeface="+mn-lt"/>
-                        <a:ea typeface="+mn-ea"/>
-                        <a:cs typeface="+mn-cs"/>
-                      </a:endParaRPr>
-                    </a:p>
-                  </a:txBody>
-                  <a:tcPr marL="51435" marR="51435" marT="25718" marB="25718">
-                    <a:noFill/>
-                  </a:tcPr>
-                </a:tc>
-                <a:tc>
-                  <a:txBody>
-                    <a:bodyPr/>
-                    <a:lstStyle/>
-                    <a:p>
-                      <a:endParaRPr lang="en-US" sz="1000" dirty="0"/>
-                    </a:p>
-                  </a:txBody>
-                  <a:tcPr marL="51435" marR="51435" marT="25718" marB="25718">
-                    <a:noFill/>
-                  </a:tcPr>
-                </a:tc>
-                <a:extLst>
-                  <a:ext uri="{0D108BD9-81ED-4DB2-BD59-A6C34878D82A}">
-                    <a16:rowId xmlns:a16="http://schemas.microsoft.com/office/drawing/2014/main" val="1481086974"/>
-                  </a:ext>
-                </a:extLst>
-              </a:tr>
-              <a:tr h="209697">
-                <a:tc>
-                  <a:txBody>
-                    <a:bodyPr/>
-                    <a:lstStyle/>
-                    <a:p>
-                      <a:endParaRPr lang="en-US" sz="1000" b="1" dirty="0"/>
-                    </a:p>
-                  </a:txBody>
-                  <a:tcPr marL="51435" marR="51435" marT="25718" marB="25718">
-                    <a:noFill/>
-                  </a:tcPr>
-                </a:tc>
-                <a:tc>
-                  <a:txBody>
-                    <a:bodyPr/>
-                    <a:lstStyle/>
-                    <a:p>
-                      <a:endParaRPr lang="en-US" sz="1000" dirty="0"/>
-                    </a:p>
-                  </a:txBody>
-                  <a:tcPr marL="51435" marR="51435" marT="25718" marB="25718">
-                    <a:noFill/>
-                  </a:tcPr>
-                </a:tc>
-                <a:tc>
-                  <a:txBody>
-                    <a:bodyPr/>
-                    <a:lstStyle/>
-                    <a:p>
-                      <a:endParaRPr lang="en-US" sz="1000" dirty="0"/>
-                    </a:p>
-                  </a:txBody>
-                  <a:tcPr marL="51435" marR="51435" marT="25718" marB="25718">
-                    <a:noFill/>
-                  </a:tcPr>
-                </a:tc>
-                <a:extLst>
-                  <a:ext uri="{0D108BD9-81ED-4DB2-BD59-A6C34878D82A}">
-                    <a16:rowId xmlns:a16="http://schemas.microsoft.com/office/drawing/2014/main" val="3339099427"/>
                   </a:ext>
                 </a:extLst>
               </a:tr>
@@ -10561,7 +11202,7 @@
           <p:cNvPr id="2" name="Title 1">
             <a:extLst>
               <a:ext uri="{FF2B5EF4-FFF2-40B4-BE49-F238E27FC236}">
-                <a16:creationId xmlns:a16="http://schemas.microsoft.com/office/drawing/2014/main" id="{3DC16B03-6CC0-81D4-A979-8BCA088514BD}"/>
+                <a16:creationId xmlns:a16="http://schemas.microsoft.com/office/drawing/2014/main" id="{1F46C642-9CC0-2FF7-6771-08EAD0076484}"/>
               </a:ext>
             </a:extLst>
           </p:cNvPr>
@@ -10569,7 +11210,7 @@
             <a:spLocks noGrp="1"/>
           </p:cNvSpPr>
           <p:nvPr>
-            <p:ph type="title"/>
+            <p:ph type="ctrTitle"/>
           </p:nvPr>
         </p:nvSpPr>
         <p:spPr/>
@@ -10577,14 +11218,726 @@
           <a:bodyPr/>
           <a:lstStyle/>
           <a:p>
-            <a:endParaRPr lang="en-US"/>
+            <a:r>
+              <a:rPr lang="en-US" dirty="0" err="1"/>
+              <a:t>Dbeavor</a:t>
+            </a:r>
+            <a:r>
+              <a:rPr lang="en-US" dirty="0"/>
+              <a:t> community</a:t>
+            </a:r>
+            <a:br>
+              <a:rPr lang="en-US" dirty="0"/>
+            </a:br>
+            <a:r>
+              <a:rPr lang="en-US" dirty="0" err="1"/>
+              <a:t>操作</a:t>
+            </a:r>
+            <a:endParaRPr lang="en-US" dirty="0"/>
+          </a:p>
+        </p:txBody>
+      </p:sp>
+      <p:sp>
+        <p:nvSpPr>
+          <p:cNvPr id="3" name="Subtitle 2">
+            <a:extLst>
+              <a:ext uri="{FF2B5EF4-FFF2-40B4-BE49-F238E27FC236}">
+                <a16:creationId xmlns:a16="http://schemas.microsoft.com/office/drawing/2014/main" id="{1340E013-3D46-A012-5571-62E311AEA2FB}"/>
+              </a:ext>
+            </a:extLst>
+          </p:cNvPr>
+          <p:cNvSpPr>
+            <a:spLocks noGrp="1"/>
+          </p:cNvSpPr>
+          <p:nvPr>
+            <p:ph type="subTitle" idx="1"/>
+          </p:nvPr>
+        </p:nvSpPr>
+        <p:spPr/>
+        <p:txBody>
+          <a:bodyPr/>
+          <a:lstStyle/>
+          <a:p>
+            <a:r>
+              <a:rPr lang="en-US" dirty="0"/>
+              <a:t>06.22.2024</a:t>
+            </a:r>
           </a:p>
         </p:txBody>
       </p:sp>
     </p:spTree>
     <p:extLst>
       <p:ext uri="{BB962C8B-B14F-4D97-AF65-F5344CB8AC3E}">
-        <p14:creationId xmlns:p14="http://schemas.microsoft.com/office/powerpoint/2010/main" val="1213916980"/>
+        <p14:creationId xmlns:p14="http://schemas.microsoft.com/office/powerpoint/2010/main" val="2315105621"/>
+      </p:ext>
+    </p:extLst>
+  </p:cSld>
+  <p:clrMapOvr>
+    <a:masterClrMapping/>
+  </p:clrMapOvr>
+</p:sld>
+</file>
+
+<file path=ppt/slides/slide9.xml><?xml version="1.0" encoding="utf-8"?>
+<p:sld xmlns:a="http://schemas.openxmlformats.org/drawingml/2006/main" xmlns:r="http://schemas.openxmlformats.org/officeDocument/2006/relationships" xmlns:p="http://schemas.openxmlformats.org/presentationml/2006/main">
+  <p:cSld>
+    <p:spTree>
+      <p:nvGrpSpPr>
+        <p:cNvPr id="1" name=""/>
+        <p:cNvGrpSpPr/>
+        <p:nvPr/>
+      </p:nvGrpSpPr>
+      <p:grpSpPr>
+        <a:xfrm>
+          <a:off x="0" y="0"/>
+          <a:ext cx="0" cy="0"/>
+          <a:chOff x="0" y="0"/>
+          <a:chExt cx="0" cy="0"/>
+        </a:xfrm>
+      </p:grpSpPr>
+      <p:sp>
+        <p:nvSpPr>
+          <p:cNvPr id="10" name="Title 1">
+            <a:extLst>
+              <a:ext uri="{FF2B5EF4-FFF2-40B4-BE49-F238E27FC236}">
+                <a16:creationId xmlns:a16="http://schemas.microsoft.com/office/drawing/2014/main" id="{DC41CB40-A290-DD36-B22D-C68DB6E2D39B}"/>
+              </a:ext>
+            </a:extLst>
+          </p:cNvPr>
+          <p:cNvSpPr txBox="1">
+            <a:spLocks/>
+          </p:cNvSpPr>
+          <p:nvPr/>
+        </p:nvSpPr>
+        <p:spPr>
+          <a:xfrm>
+            <a:off x="424422" y="141408"/>
+            <a:ext cx="5915025" cy="811277"/>
+          </a:xfrm>
+          <a:prstGeom prst="rect">
+            <a:avLst/>
+          </a:prstGeom>
+        </p:spPr>
+        <p:txBody>
+          <a:bodyPr vert="horz" lIns="91440" tIns="45720" rIns="91440" bIns="45720" rtlCol="0" anchor="ctr">
+            <a:normAutofit/>
+          </a:bodyPr>
+          <a:lstStyle>
+            <a:lvl1pPr algn="l" defTabSz="685800" rtl="0" eaLnBrk="1" latinLnBrk="0" hangingPunct="1">
+              <a:lnSpc>
+                <a:spcPct val="90000"/>
+              </a:lnSpc>
+              <a:spcBef>
+                <a:spcPct val="0"/>
+              </a:spcBef>
+              <a:buNone/>
+              <a:defRPr sz="3300" kern="1200">
+                <a:solidFill>
+                  <a:schemeClr val="tx1"/>
+                </a:solidFill>
+                <a:latin typeface="+mj-lt"/>
+                <a:ea typeface="+mj-ea"/>
+                <a:cs typeface="+mj-cs"/>
+              </a:defRPr>
+            </a:lvl1pPr>
+          </a:lstStyle>
+          <a:p>
+            <a:r>
+              <a:rPr lang="en-US" sz="1575" dirty="0">
+                <a:hlinkClick r:id="rId3">
+                  <a:extLst>
+                    <a:ext uri="{A12FA001-AC4F-418D-AE19-62706E023703}">
+                      <ahyp:hlinkClr xmlns:ahyp="http://schemas.microsoft.com/office/drawing/2018/hyperlinkcolor" val="tx"/>
+                    </a:ext>
+                  </a:extLst>
+                </a:hlinkClick>
+              </a:rPr>
+              <a:t>Dbeavor Community 24.1.0管理數據庫</a:t>
+            </a:r>
+          </a:p>
+        </p:txBody>
+      </p:sp>
+      <p:graphicFrame>
+        <p:nvGraphicFramePr>
+          <p:cNvPr id="12" name="Table 11">
+            <a:extLst>
+              <a:ext uri="{FF2B5EF4-FFF2-40B4-BE49-F238E27FC236}">
+                <a16:creationId xmlns:a16="http://schemas.microsoft.com/office/drawing/2014/main" id="{0DB8E8C7-9204-3411-1355-ABCE04A2586A}"/>
+              </a:ext>
+            </a:extLst>
+          </p:cNvPr>
+          <p:cNvGraphicFramePr>
+            <a:graphicFrameLocks noGrp="1"/>
+          </p:cNvGraphicFramePr>
+          <p:nvPr>
+            <p:extLst>
+              <p:ext uri="{D42A27DB-BD31-4B8C-83A1-F6EECF244321}">
+                <p14:modId xmlns:p14="http://schemas.microsoft.com/office/powerpoint/2010/main" val="981777197"/>
+              </p:ext>
+            </p:extLst>
+          </p:nvPr>
+        </p:nvGraphicFramePr>
+        <p:xfrm>
+          <a:off x="424422" y="9351343"/>
+          <a:ext cx="6113341" cy="295276"/>
+        </p:xfrm>
+        <a:graphic>
+          <a:graphicData uri="http://schemas.openxmlformats.org/drawingml/2006/table">
+            <a:tbl>
+              <a:tblPr firstRow="1" bandRow="1">
+                <a:tableStyleId>{5940675A-B579-460E-94D1-54222C63F5DA}</a:tableStyleId>
+              </a:tblPr>
+              <a:tblGrid>
+                <a:gridCol w="1560512">
+                  <a:extLst>
+                    <a:ext uri="{9D8B030D-6E8A-4147-A177-3AD203B41FA5}">
+                      <a16:colId xmlns:a16="http://schemas.microsoft.com/office/drawing/2014/main" val="2711490222"/>
+                    </a:ext>
+                  </a:extLst>
+                </a:gridCol>
+                <a:gridCol w="3381829">
+                  <a:extLst>
+                    <a:ext uri="{9D8B030D-6E8A-4147-A177-3AD203B41FA5}">
+                      <a16:colId xmlns:a16="http://schemas.microsoft.com/office/drawing/2014/main" val="2628808814"/>
+                    </a:ext>
+                  </a:extLst>
+                </a:gridCol>
+                <a:gridCol w="1171000">
+                  <a:extLst>
+                    <a:ext uri="{9D8B030D-6E8A-4147-A177-3AD203B41FA5}">
+                      <a16:colId xmlns:a16="http://schemas.microsoft.com/office/drawing/2014/main" val="627007836"/>
+                    </a:ext>
+                  </a:extLst>
+                </a:gridCol>
+              </a:tblGrid>
+              <a:tr h="209697">
+                <a:tc>
+                  <a:txBody>
+                    <a:bodyPr/>
+                    <a:lstStyle/>
+                    <a:p>
+                      <a:pPr marL="0" marR="0" lvl="0" indent="0" algn="l" defTabSz="685800" rtl="0" eaLnBrk="1" fontAlgn="auto" latinLnBrk="0" hangingPunct="1">
+                        <a:lnSpc>
+                          <a:spcPct val="100000"/>
+                        </a:lnSpc>
+                        <a:spcBef>
+                          <a:spcPts val="0"/>
+                        </a:spcBef>
+                        <a:spcAft>
+                          <a:spcPts val="0"/>
+                        </a:spcAft>
+                        <a:buClrTx/>
+                        <a:buSzTx/>
+                        <a:buFontTx/>
+                        <a:buNone/>
+                        <a:tabLst/>
+                        <a:defRPr/>
+                      </a:pPr>
+                      <a:r>
+                        <a:rPr lang="en-US" sz="1100" b="1" dirty="0" err="1"/>
+                        <a:t>Dbeavor</a:t>
+                      </a:r>
+                      <a:r>
+                        <a:rPr lang="en-US" sz="1100" b="1" dirty="0"/>
+                        <a:t> community</a:t>
+                      </a:r>
+                    </a:p>
+                  </a:txBody>
+                  <a:tcPr marL="51435" marR="51435" marT="25718" marB="25718">
+                    <a:solidFill>
+                      <a:schemeClr val="accent2">
+                        <a:lumMod val="20000"/>
+                        <a:lumOff val="80000"/>
+                      </a:schemeClr>
+                    </a:solidFill>
+                  </a:tcPr>
+                </a:tc>
+                <a:tc>
+                  <a:txBody>
+                    <a:bodyPr/>
+                    <a:lstStyle/>
+                    <a:p>
+                      <a:r>
+                        <a:rPr lang="en-US" sz="800" dirty="0"/>
+                        <a:t>(Apache)</a:t>
+                      </a:r>
+                    </a:p>
+                    <a:p>
+                      <a:r>
+                        <a:rPr lang="en-US" sz="800" dirty="0">
+                          <a:hlinkClick r:id="rId4"/>
+                        </a:rPr>
+                        <a:t>https://dbeaver.io/product/dbeaver_license.txt</a:t>
+                      </a:r>
+                      <a:endParaRPr lang="en-US" sz="800" dirty="0"/>
+                    </a:p>
+                  </a:txBody>
+                  <a:tcPr marL="51435" marR="51435" marT="25718" marB="25718">
+                    <a:solidFill>
+                      <a:schemeClr val="accent2">
+                        <a:lumMod val="20000"/>
+                        <a:lumOff val="80000"/>
+                      </a:schemeClr>
+                    </a:solidFill>
+                  </a:tcPr>
+                </a:tc>
+                <a:tc>
+                  <a:txBody>
+                    <a:bodyPr/>
+                    <a:lstStyle/>
+                    <a:p>
+                      <a:r>
+                        <a:rPr lang="en-US" sz="1000" dirty="0"/>
+                        <a:t>24.1.0</a:t>
+                      </a:r>
+                    </a:p>
+                  </a:txBody>
+                  <a:tcPr marL="51435" marR="51435" marT="25718" marB="25718">
+                    <a:solidFill>
+                      <a:schemeClr val="accent2">
+                        <a:lumMod val="20000"/>
+                        <a:lumOff val="80000"/>
+                      </a:schemeClr>
+                    </a:solidFill>
+                  </a:tcPr>
+                </a:tc>
+                <a:extLst>
+                  <a:ext uri="{0D108BD9-81ED-4DB2-BD59-A6C34878D82A}">
+                    <a16:rowId xmlns:a16="http://schemas.microsoft.com/office/drawing/2014/main" val="838997551"/>
+                  </a:ext>
+                </a:extLst>
+              </a:tr>
+            </a:tbl>
+          </a:graphicData>
+        </a:graphic>
+      </p:graphicFrame>
+      <p:pic>
+        <p:nvPicPr>
+          <p:cNvPr id="13" name="Picture 12">
+            <a:extLst>
+              <a:ext uri="{FF2B5EF4-FFF2-40B4-BE49-F238E27FC236}">
+                <a16:creationId xmlns:a16="http://schemas.microsoft.com/office/drawing/2014/main" id="{1536AD68-D708-DF88-1EED-90E711E3D3EC}"/>
+              </a:ext>
+            </a:extLst>
+          </p:cNvPr>
+          <p:cNvPicPr>
+            <a:picLocks noChangeAspect="1"/>
+          </p:cNvPicPr>
+          <p:nvPr/>
+        </p:nvPicPr>
+        <p:blipFill>
+          <a:blip r:embed="rId5"/>
+          <a:stretch>
+            <a:fillRect/>
+          </a:stretch>
+        </p:blipFill>
+        <p:spPr>
+          <a:xfrm>
+            <a:off x="471488" y="877848"/>
+            <a:ext cx="3475225" cy="3239137"/>
+          </a:xfrm>
+          <a:prstGeom prst="rect">
+            <a:avLst/>
+          </a:prstGeom>
+        </p:spPr>
+      </p:pic>
+      <p:graphicFrame>
+        <p:nvGraphicFramePr>
+          <p:cNvPr id="14" name="Table 13">
+            <a:extLst>
+              <a:ext uri="{FF2B5EF4-FFF2-40B4-BE49-F238E27FC236}">
+                <a16:creationId xmlns:a16="http://schemas.microsoft.com/office/drawing/2014/main" id="{E90021B0-C773-DE29-9CB5-52BD623F706B}"/>
+              </a:ext>
+            </a:extLst>
+          </p:cNvPr>
+          <p:cNvGraphicFramePr>
+            <a:graphicFrameLocks noGrp="1"/>
+          </p:cNvGraphicFramePr>
+          <p:nvPr>
+            <p:extLst>
+              <p:ext uri="{D42A27DB-BD31-4B8C-83A1-F6EECF244321}">
+                <p14:modId xmlns:p14="http://schemas.microsoft.com/office/powerpoint/2010/main" val="115138880"/>
+              </p:ext>
+            </p:extLst>
+          </p:nvPr>
+        </p:nvGraphicFramePr>
+        <p:xfrm>
+          <a:off x="4028190" y="1796789"/>
+          <a:ext cx="2509573" cy="565933"/>
+        </p:xfrm>
+        <a:graphic>
+          <a:graphicData uri="http://schemas.openxmlformats.org/drawingml/2006/table">
+            <a:tbl>
+              <a:tblPr firstRow="1" bandRow="1">
+                <a:tableStyleId>{5940675A-B579-460E-94D1-54222C63F5DA}</a:tableStyleId>
+              </a:tblPr>
+              <a:tblGrid>
+                <a:gridCol w="821967">
+                  <a:extLst>
+                    <a:ext uri="{9D8B030D-6E8A-4147-A177-3AD203B41FA5}">
+                      <a16:colId xmlns:a16="http://schemas.microsoft.com/office/drawing/2014/main" val="2378044702"/>
+                    </a:ext>
+                  </a:extLst>
+                </a:gridCol>
+                <a:gridCol w="1687606">
+                  <a:extLst>
+                    <a:ext uri="{9D8B030D-6E8A-4147-A177-3AD203B41FA5}">
+                      <a16:colId xmlns:a16="http://schemas.microsoft.com/office/drawing/2014/main" val="492217501"/>
+                    </a:ext>
+                  </a:extLst>
+                </a:gridCol>
+              </a:tblGrid>
+              <a:tr h="209697">
+                <a:tc>
+                  <a:txBody>
+                    <a:bodyPr/>
+                    <a:lstStyle/>
+                    <a:p>
+                      <a:r>
+                        <a:rPr lang="en-US" sz="1000" b="1" dirty="0"/>
+                        <a:t>Server Host</a:t>
+                      </a:r>
+                    </a:p>
+                  </a:txBody>
+                  <a:tcPr marL="51435" marR="51435" marT="25718" marB="25718"/>
+                </a:tc>
+                <a:tc>
+                  <a:txBody>
+                    <a:bodyPr/>
+                    <a:lstStyle/>
+                    <a:p>
+                      <a:r>
+                        <a:rPr lang="en-US" sz="1000" dirty="0"/>
+                        <a:t>Ubuntu </a:t>
+                      </a:r>
+                      <a:r>
+                        <a:rPr lang="en-US" sz="1000" dirty="0" err="1"/>
+                        <a:t>ip</a:t>
+                      </a:r>
+                      <a:r>
+                        <a:rPr lang="en-US" sz="1000" dirty="0"/>
+                        <a:t> </a:t>
+                      </a:r>
+                      <a:r>
+                        <a:rPr lang="en-US" sz="1000" dirty="0" err="1"/>
+                        <a:t>addr</a:t>
+                      </a:r>
+                      <a:r>
+                        <a:rPr lang="en-US" sz="1000" dirty="0"/>
+                        <a:t> and port mapping to </a:t>
+                      </a:r>
+                      <a:r>
+                        <a:rPr lang="en-US" sz="1000" dirty="0" err="1"/>
+                        <a:t>mysql</a:t>
+                      </a:r>
+                      <a:endParaRPr lang="en-US" sz="1000" dirty="0"/>
+                    </a:p>
+                  </a:txBody>
+                  <a:tcPr marL="51435" marR="51435" marT="25718" marB="25718"/>
+                </a:tc>
+                <a:extLst>
+                  <a:ext uri="{0D108BD9-81ED-4DB2-BD59-A6C34878D82A}">
+                    <a16:rowId xmlns:a16="http://schemas.microsoft.com/office/drawing/2014/main" val="1115478211"/>
+                  </a:ext>
+                </a:extLst>
+              </a:tr>
+              <a:tr h="209697">
+                <a:tc>
+                  <a:txBody>
+                    <a:bodyPr/>
+                    <a:lstStyle/>
+                    <a:p>
+                      <a:r>
+                        <a:rPr lang="en-US" sz="1000" b="1" dirty="0"/>
+                        <a:t>Password</a:t>
+                      </a:r>
+                    </a:p>
+                  </a:txBody>
+                  <a:tcPr marL="51435" marR="51435" marT="25718" marB="25718"/>
+                </a:tc>
+                <a:tc>
+                  <a:txBody>
+                    <a:bodyPr/>
+                    <a:lstStyle/>
+                    <a:p>
+                      <a:r>
+                        <a:rPr lang="en-US" sz="1000" b="0" kern="1200" dirty="0" err="1">
+                          <a:solidFill>
+                            <a:schemeClr val="tx1"/>
+                          </a:solidFill>
+                          <a:latin typeface="+mn-lt"/>
+                          <a:ea typeface="+mn-ea"/>
+                          <a:cs typeface="+mn-cs"/>
+                        </a:rPr>
+                        <a:t>Mysql’s</a:t>
+                      </a:r>
+                      <a:r>
+                        <a:rPr lang="en-US" sz="1000" b="0" kern="1200" dirty="0">
+                          <a:solidFill>
+                            <a:schemeClr val="tx1"/>
+                          </a:solidFill>
+                          <a:latin typeface="+mn-lt"/>
+                          <a:ea typeface="+mn-ea"/>
+                          <a:cs typeface="+mn-cs"/>
+                        </a:rPr>
+                        <a:t> password</a:t>
+                      </a:r>
+                    </a:p>
+                  </a:txBody>
+                  <a:tcPr marL="51435" marR="51435" marT="25718" marB="25718"/>
+                </a:tc>
+                <a:extLst>
+                  <a:ext uri="{0D108BD9-81ED-4DB2-BD59-A6C34878D82A}">
+                    <a16:rowId xmlns:a16="http://schemas.microsoft.com/office/drawing/2014/main" val="631481097"/>
+                  </a:ext>
+                </a:extLst>
+              </a:tr>
+            </a:tbl>
+          </a:graphicData>
+        </a:graphic>
+      </p:graphicFrame>
+      <p:pic>
+        <p:nvPicPr>
+          <p:cNvPr id="15" name="Picture 14">
+            <a:extLst>
+              <a:ext uri="{FF2B5EF4-FFF2-40B4-BE49-F238E27FC236}">
+                <a16:creationId xmlns:a16="http://schemas.microsoft.com/office/drawing/2014/main" id="{47A17CE8-50B8-9F1D-9C55-5E1CE0FEE096}"/>
+              </a:ext>
+            </a:extLst>
+          </p:cNvPr>
+          <p:cNvPicPr>
+            <a:picLocks noChangeAspect="1"/>
+          </p:cNvPicPr>
+          <p:nvPr/>
+        </p:nvPicPr>
+        <p:blipFill>
+          <a:blip r:embed="rId6"/>
+          <a:stretch>
+            <a:fillRect/>
+          </a:stretch>
+        </p:blipFill>
+        <p:spPr>
+          <a:xfrm>
+            <a:off x="471488" y="4210783"/>
+            <a:ext cx="3362621" cy="3156465"/>
+          </a:xfrm>
+          <a:prstGeom prst="rect">
+            <a:avLst/>
+          </a:prstGeom>
+        </p:spPr>
+      </p:pic>
+      <p:graphicFrame>
+        <p:nvGraphicFramePr>
+          <p:cNvPr id="4" name="Table 3">
+            <a:extLst>
+              <a:ext uri="{FF2B5EF4-FFF2-40B4-BE49-F238E27FC236}">
+                <a16:creationId xmlns:a16="http://schemas.microsoft.com/office/drawing/2014/main" id="{BBD03A2C-1ADD-9B75-5DB4-189F41503CB4}"/>
+              </a:ext>
+            </a:extLst>
+          </p:cNvPr>
+          <p:cNvGraphicFramePr>
+            <a:graphicFrameLocks noGrp="1"/>
+          </p:cNvGraphicFramePr>
+          <p:nvPr>
+            <p:extLst>
+              <p:ext uri="{D42A27DB-BD31-4B8C-83A1-F6EECF244321}">
+                <p14:modId xmlns:p14="http://schemas.microsoft.com/office/powerpoint/2010/main" val="321472916"/>
+              </p:ext>
+            </p:extLst>
+          </p:nvPr>
+        </p:nvGraphicFramePr>
+        <p:xfrm>
+          <a:off x="471488" y="7510396"/>
+          <a:ext cx="5956206" cy="870733"/>
+        </p:xfrm>
+        <a:graphic>
+          <a:graphicData uri="http://schemas.openxmlformats.org/drawingml/2006/table">
+            <a:tbl>
+              <a:tblPr firstRow="1" bandRow="1">
+                <a:tableStyleId>{5940675A-B579-460E-94D1-54222C63F5DA}</a:tableStyleId>
+              </a:tblPr>
+              <a:tblGrid>
+                <a:gridCol w="1405217">
+                  <a:extLst>
+                    <a:ext uri="{9D8B030D-6E8A-4147-A177-3AD203B41FA5}">
+                      <a16:colId xmlns:a16="http://schemas.microsoft.com/office/drawing/2014/main" val="2169267898"/>
+                    </a:ext>
+                  </a:extLst>
+                </a:gridCol>
+                <a:gridCol w="2070007">
+                  <a:extLst>
+                    <a:ext uri="{9D8B030D-6E8A-4147-A177-3AD203B41FA5}">
+                      <a16:colId xmlns:a16="http://schemas.microsoft.com/office/drawing/2014/main" val="2790663150"/>
+                    </a:ext>
+                  </a:extLst>
+                </a:gridCol>
+                <a:gridCol w="2480982">
+                  <a:extLst>
+                    <a:ext uri="{9D8B030D-6E8A-4147-A177-3AD203B41FA5}">
+                      <a16:colId xmlns:a16="http://schemas.microsoft.com/office/drawing/2014/main" val="1499984218"/>
+                    </a:ext>
+                  </a:extLst>
+                </a:gridCol>
+              </a:tblGrid>
+              <a:tr h="209697">
+                <a:tc>
+                  <a:txBody>
+                    <a:bodyPr/>
+                    <a:lstStyle/>
+                    <a:p>
+                      <a:r>
+                        <a:rPr lang="en-US" sz="1000" b="1" dirty="0"/>
+                        <a:t>Error message</a:t>
+                      </a:r>
+                    </a:p>
+                  </a:txBody>
+                  <a:tcPr marL="51435" marR="51435" marT="25718" marB="25718"/>
+                </a:tc>
+                <a:tc>
+                  <a:txBody>
+                    <a:bodyPr/>
+                    <a:lstStyle/>
+                    <a:p>
+                      <a:r>
+                        <a:rPr lang="en-US" sz="1000" dirty="0"/>
+                        <a:t>Public Key Retrieval is not allowed</a:t>
+                      </a:r>
+                      <a:endParaRPr lang="en-US" sz="1000" dirty="0">
+                        <a:hlinkClick r:id="rId7"/>
+                      </a:endParaRPr>
+                    </a:p>
+                  </a:txBody>
+                  <a:tcPr marL="51435" marR="51435" marT="25718" marB="25718"/>
+                </a:tc>
+                <a:tc>
+                  <a:txBody>
+                    <a:bodyPr/>
+                    <a:lstStyle/>
+                    <a:p>
+                      <a:r>
+                        <a:rPr lang="en-US" sz="1000" dirty="0">
+                          <a:hlinkClick r:id="rId7"/>
+                        </a:rPr>
+                        <a:t>https://sinyilin.github.io/SQL/20230425/4002286829/#google_vignette</a:t>
+                      </a:r>
+                    </a:p>
+                    <a:p>
+                      <a:pPr marL="0" marR="0" lvl="0" indent="0" algn="l" defTabSz="685800" rtl="0" eaLnBrk="1" fontAlgn="auto" latinLnBrk="0" hangingPunct="1">
+                        <a:lnSpc>
+                          <a:spcPct val="100000"/>
+                        </a:lnSpc>
+                        <a:spcBef>
+                          <a:spcPts val="0"/>
+                        </a:spcBef>
+                        <a:spcAft>
+                          <a:spcPts val="0"/>
+                        </a:spcAft>
+                        <a:buClrTx/>
+                        <a:buSzTx/>
+                        <a:buFontTx/>
+                        <a:buNone/>
+                        <a:tabLst/>
+                        <a:defRPr/>
+                      </a:pPr>
+                      <a:r>
+                        <a:rPr lang="en-US" sz="1000" dirty="0">
+                          <a:hlinkClick r:id="rId8"/>
+                        </a:rPr>
+                        <a:t>https://blog.csdn.net/ngl272/article/details/70217499</a:t>
+                      </a:r>
+                      <a:endParaRPr lang="en-US" sz="1000" dirty="0"/>
+                    </a:p>
+                  </a:txBody>
+                  <a:tcPr marL="51435" marR="51435" marT="25718" marB="25718"/>
+                </a:tc>
+                <a:extLst>
+                  <a:ext uri="{0D108BD9-81ED-4DB2-BD59-A6C34878D82A}">
+                    <a16:rowId xmlns:a16="http://schemas.microsoft.com/office/drawing/2014/main" val="1089727304"/>
+                  </a:ext>
+                </a:extLst>
+              </a:tr>
+              <a:tr h="209697">
+                <a:tc>
+                  <a:txBody>
+                    <a:bodyPr/>
+                    <a:lstStyle/>
+                    <a:p>
+                      <a:r>
+                        <a:rPr lang="en-US" sz="1000" b="1" dirty="0"/>
+                        <a:t>Solution</a:t>
+                      </a:r>
+                    </a:p>
+                  </a:txBody>
+                  <a:tcPr marL="51435" marR="51435" marT="25718" marB="25718"/>
+                </a:tc>
+                <a:tc>
+                  <a:txBody>
+                    <a:bodyPr/>
+                    <a:lstStyle/>
+                    <a:p>
+                      <a:r>
+                        <a:rPr lang="en-US" sz="1000" u="none" kern="1200" dirty="0">
+                          <a:solidFill>
+                            <a:schemeClr val="tx1"/>
+                          </a:solidFill>
+                          <a:latin typeface="+mn-lt"/>
+                          <a:ea typeface="+mn-ea"/>
+                          <a:cs typeface="+mn-cs"/>
+                          <a:hlinkClick r:id="rId7">
+                            <a:extLst>
+                              <a:ext uri="{A12FA001-AC4F-418D-AE19-62706E023703}">
+                                <ahyp:hlinkClr xmlns:ahyp="http://schemas.microsoft.com/office/drawing/2018/hyperlinkcolor" val="tx"/>
+                              </a:ext>
+                            </a:extLst>
+                          </a:hlinkClick>
+                        </a:rPr>
+                        <a:t>allowPublicKeyRetrieval</a:t>
+                      </a:r>
+                    </a:p>
+                  </a:txBody>
+                  <a:tcPr marL="51435" marR="51435" marT="25718" marB="25718"/>
+                </a:tc>
+                <a:tc>
+                  <a:txBody>
+                    <a:bodyPr/>
+                    <a:lstStyle/>
+                    <a:p>
+                      <a:r>
+                        <a:rPr lang="en-US" sz="1000" u="none" kern="1200" dirty="0">
+                          <a:solidFill>
+                            <a:schemeClr val="tx1"/>
+                          </a:solidFill>
+                          <a:latin typeface="+mn-lt"/>
+                          <a:ea typeface="+mn-ea"/>
+                          <a:cs typeface="+mn-cs"/>
+                          <a:hlinkClick r:id="rId7">
+                            <a:extLst>
+                              <a:ext uri="{A12FA001-AC4F-418D-AE19-62706E023703}">
+                                <ahyp:hlinkClr xmlns:ahyp="http://schemas.microsoft.com/office/drawing/2018/hyperlinkcolor" val="tx"/>
+                              </a:ext>
+                            </a:extLst>
+                          </a:hlinkClick>
+                        </a:rPr>
+                        <a:t>Turn false to TRUE</a:t>
+                      </a:r>
+                    </a:p>
+                  </a:txBody>
+                  <a:tcPr marL="51435" marR="51435" marT="25718" marB="25718"/>
+                </a:tc>
+                <a:extLst>
+                  <a:ext uri="{0D108BD9-81ED-4DB2-BD59-A6C34878D82A}">
+                    <a16:rowId xmlns:a16="http://schemas.microsoft.com/office/drawing/2014/main" val="3049529020"/>
+                  </a:ext>
+                </a:extLst>
+              </a:tr>
+            </a:tbl>
+          </a:graphicData>
+        </a:graphic>
+      </p:graphicFrame>
+    </p:spTree>
+    <p:extLst>
+      <p:ext uri="{BB962C8B-B14F-4D97-AF65-F5344CB8AC3E}">
+        <p14:creationId xmlns:p14="http://schemas.microsoft.com/office/powerpoint/2010/main" val="2827658945"/>
       </p:ext>
     </p:extLst>
   </p:cSld>
